--- a/thesis-tex/makinoB4gradslide.pptx
+++ b/thesis-tex/makinoB4gradslide.pptx
@@ -27749,7 +27749,7 @@
         </p:nvSpPr>
         <p:spPr>
           <a:xfrm>
-            <a:off x="628650" y="1587500"/>
+            <a:off x="628650" y="1584972"/>
             <a:ext cx="7232650" cy="1015663"/>
           </a:xfrm>
           <a:prstGeom prst="rect">
@@ -27812,8 +27812,8 @@
         </p:nvSpPr>
         <p:spPr>
           <a:xfrm>
-            <a:off x="628650" y="2842841"/>
-            <a:ext cx="8232811" cy="2639184"/>
+            <a:off x="628650" y="2853451"/>
+            <a:ext cx="8232811" cy="3100849"/>
           </a:xfrm>
           <a:prstGeom prst="rect">
             <a:avLst/>
@@ -27844,6 +27844,45 @@
             </a:endParaRPr>
           </a:p>
           <a:p>
+            <a:pPr>
+              <a:lnSpc>
+                <a:spcPct val="150000"/>
+              </a:lnSpc>
+            </a:pPr>
+            <a:r>
+              <a:rPr kumimoji="1" lang="ja-JP" altLang="en-US" sz="2000" dirty="0">
+                <a:latin typeface="メイリオ" panose="020B0604030504040204" pitchFamily="50" charset="-128"/>
+                <a:ea typeface="メイリオ" panose="020B0604030504040204" pitchFamily="50" charset="-128"/>
+              </a:rPr>
+              <a:t>本研究では大堀</a:t>
+            </a:r>
+            <a:r>
+              <a:rPr kumimoji="1" lang="en-US" altLang="ja-JP" sz="2000" dirty="0">
+                <a:latin typeface="メイリオ" panose="020B0604030504040204" pitchFamily="50" charset="-128"/>
+                <a:ea typeface="メイリオ" panose="020B0604030504040204" pitchFamily="50" charset="-128"/>
+              </a:rPr>
+              <a:t>()</a:t>
+            </a:r>
+            <a:r>
+              <a:rPr kumimoji="1" lang="ja-JP" altLang="en-US" sz="2000" dirty="0">
+                <a:latin typeface="メイリオ" panose="020B0604030504040204" pitchFamily="50" charset="-128"/>
+                <a:ea typeface="メイリオ" panose="020B0604030504040204" pitchFamily="50" charset="-128"/>
+              </a:rPr>
+              <a:t>によって提唱された以下の</a:t>
+            </a:r>
+            <a:r>
+              <a:rPr kumimoji="1" lang="ja-JP" altLang="en-US" sz="2000">
+                <a:latin typeface="メイリオ" panose="020B0604030504040204" pitchFamily="50" charset="-128"/>
+                <a:ea typeface="メイリオ" panose="020B0604030504040204" pitchFamily="50" charset="-128"/>
+              </a:rPr>
+              <a:t>ような解析を行う</a:t>
+            </a:r>
+            <a:endParaRPr kumimoji="1" lang="en-US" altLang="ja-JP" sz="2000" dirty="0">
+              <a:latin typeface="メイリオ" panose="020B0604030504040204" pitchFamily="50" charset="-128"/>
+              <a:ea typeface="メイリオ" panose="020B0604030504040204" pitchFamily="50" charset="-128"/>
+            </a:endParaRPr>
+          </a:p>
+          <a:p>
             <a:pPr marL="800100" lvl="1" indent="-342900">
               <a:lnSpc>
                 <a:spcPct val="150000"/>
@@ -27904,12 +27943,10 @@
             </a:endParaRPr>
           </a:p>
           <a:p>
-            <a:pPr marL="800100" lvl="1" indent="-342900">
+            <a:pPr lvl="1">
               <a:lnSpc>
                 <a:spcPct val="150000"/>
               </a:lnSpc>
-              <a:buFont typeface="Arial" panose="020B0604020202020204" pitchFamily="34" charset="0"/>
-              <a:buChar char="•"/>
             </a:pPr>
             <a:endParaRPr kumimoji="1" lang="ja-JP" altLang="en-US" sz="2000" dirty="0">
               <a:latin typeface="メイリオ" panose="020B0604030504040204" pitchFamily="50" charset="-128"/>
@@ -27975,7 +28012,7 @@
         </p:nvSpPr>
         <p:spPr>
           <a:xfrm>
-            <a:off x="628650" y="5436882"/>
+            <a:off x="628650" y="5672242"/>
             <a:ext cx="7487934" cy="954107"/>
           </a:xfrm>
           <a:prstGeom prst="rect">
